--- a/HandsOn/Group05/Web semántica G05.pptx
+++ b/HandsOn/Group05/Web semántica G05.pptx
@@ -5907,7 +5907,7 @@
           <a:p>
             <a:r>
               <a:rPr lang="es-ES" dirty="0" err="1"/>
-              <a:t>Assingment</a:t>
+              <a:t>Assignment</a:t>
             </a:r>
             <a:r>
               <a:rPr lang="es-ES" dirty="0"/>
@@ -6030,7 +6030,7 @@
           <a:p>
             <a:r>
               <a:rPr lang="es-ES" dirty="0" err="1"/>
-              <a:t>Assingment</a:t>
+              <a:t>Assignment</a:t>
             </a:r>
             <a:r>
               <a:rPr lang="es-ES" dirty="0"/>
@@ -6129,7 +6129,7 @@
           <a:p>
             <a:r>
               <a:rPr lang="es-ES" dirty="0" err="1"/>
-              <a:t>Assingment</a:t>
+              <a:t>Assignment</a:t>
             </a:r>
             <a:r>
               <a:rPr lang="es-ES" dirty="0"/>
@@ -6223,7 +6223,7 @@
           <a:p>
             <a:r>
               <a:rPr lang="es-ES" dirty="0" err="1"/>
-              <a:t>Assingment</a:t>
+              <a:t>Assignment</a:t>
             </a:r>
             <a:r>
               <a:rPr lang="es-ES" dirty="0"/>
@@ -6359,7 +6359,7 @@
           <a:p>
             <a:r>
               <a:rPr lang="es-ES" dirty="0" err="1"/>
-              <a:t>Assingment</a:t>
+              <a:t>Assignment</a:t>
             </a:r>
             <a:r>
               <a:rPr lang="es-ES" dirty="0"/>

--- a/HandsOn/Group05/Web semántica G05.pptx
+++ b/HandsOn/Group05/Web semántica G05.pptx
@@ -6,12 +6,13 @@
   </p:sldMasterIdLst>
   <p:sldIdLst>
     <p:sldId id="256" r:id="rId2"/>
-    <p:sldId id="257" r:id="rId3"/>
-    <p:sldId id="258" r:id="rId4"/>
-    <p:sldId id="259" r:id="rId5"/>
-    <p:sldId id="260" r:id="rId6"/>
-    <p:sldId id="261" r:id="rId7"/>
-    <p:sldId id="262" r:id="rId8"/>
+    <p:sldId id="263" r:id="rId3"/>
+    <p:sldId id="257" r:id="rId4"/>
+    <p:sldId id="258" r:id="rId5"/>
+    <p:sldId id="259" r:id="rId6"/>
+    <p:sldId id="260" r:id="rId7"/>
+    <p:sldId id="261" r:id="rId8"/>
+    <p:sldId id="262" r:id="rId9"/>
   </p:sldIdLst>
   <p:sldSz cx="12192000" cy="6858000"/>
   <p:notesSz cx="6858000" cy="9144000"/>
@@ -5889,6 +5890,521 @@
           <p:cNvPr id="2" name="Título 1">
             <a:extLst>
               <a:ext uri="{FF2B5EF4-FFF2-40B4-BE49-F238E27FC236}">
+                <a16:creationId xmlns:a16="http://schemas.microsoft.com/office/drawing/2014/main" id="{A4B92FEE-3340-4B2E-BB46-93B0CBC3C509}"/>
+              </a:ext>
+            </a:extLst>
+          </p:cNvPr>
+          <p:cNvSpPr>
+            <a:spLocks noGrp="1"/>
+          </p:cNvSpPr>
+          <p:nvPr>
+            <p:ph type="title"/>
+          </p:nvPr>
+        </p:nvSpPr>
+        <p:spPr/>
+        <p:txBody>
+          <a:bodyPr/>
+          <a:lstStyle/>
+          <a:p>
+            <a:r>
+              <a:rPr lang="es-ES" dirty="0"/>
+              <a:t>Metodología</a:t>
+            </a:r>
+          </a:p>
+        </p:txBody>
+      </p:sp>
+      <p:sp>
+        <p:nvSpPr>
+          <p:cNvPr id="3" name="Marcador de contenido 2">
+            <a:extLst>
+              <a:ext uri="{FF2B5EF4-FFF2-40B4-BE49-F238E27FC236}">
+                <a16:creationId xmlns:a16="http://schemas.microsoft.com/office/drawing/2014/main" id="{71CEAD9D-86E9-40C5-BE5D-CD36666280D6}"/>
+              </a:ext>
+            </a:extLst>
+          </p:cNvPr>
+          <p:cNvSpPr>
+            <a:spLocks noGrp="1"/>
+          </p:cNvSpPr>
+          <p:nvPr>
+            <p:ph idx="1"/>
+          </p:nvPr>
+        </p:nvSpPr>
+        <p:spPr/>
+        <p:txBody>
+          <a:bodyPr/>
+          <a:lstStyle/>
+          <a:p>
+            <a:endParaRPr lang="es-ES" dirty="0"/>
+          </a:p>
+        </p:txBody>
+      </p:sp>
+      <p:sp>
+        <p:nvSpPr>
+          <p:cNvPr id="4" name="Rectángulo: esquinas redondeadas 3">
+            <a:extLst>
+              <a:ext uri="{FF2B5EF4-FFF2-40B4-BE49-F238E27FC236}">
+                <a16:creationId xmlns:a16="http://schemas.microsoft.com/office/drawing/2014/main" id="{BBCD001B-8246-4BDE-9256-46F00548F54F}"/>
+              </a:ext>
+            </a:extLst>
+          </p:cNvPr>
+          <p:cNvSpPr/>
+          <p:nvPr/>
+        </p:nvSpPr>
+        <p:spPr>
+          <a:xfrm>
+            <a:off x="599278" y="1895160"/>
+            <a:ext cx="1750556" cy="833887"/>
+          </a:xfrm>
+          <a:prstGeom prst="roundRect">
+            <a:avLst/>
+          </a:prstGeom>
+        </p:spPr>
+        <p:style>
+          <a:lnRef idx="2">
+            <a:schemeClr val="accent1">
+              <a:shade val="50000"/>
+            </a:schemeClr>
+          </a:lnRef>
+          <a:fillRef idx="1">
+            <a:schemeClr val="accent1"/>
+          </a:fillRef>
+          <a:effectRef idx="0">
+            <a:schemeClr val="accent1"/>
+          </a:effectRef>
+          <a:fontRef idx="minor">
+            <a:schemeClr val="lt1"/>
+          </a:fontRef>
+        </p:style>
+        <p:txBody>
+          <a:bodyPr rtlCol="0" anchor="ctr"/>
+          <a:lstStyle/>
+          <a:p>
+            <a:pPr algn="ctr"/>
+            <a:r>
+              <a:rPr lang="es-ES" dirty="0" err="1"/>
+              <a:t>Assignment</a:t>
+            </a:r>
+            <a:r>
+              <a:rPr lang="es-ES" dirty="0"/>
+              <a:t> 1</a:t>
+            </a:r>
+          </a:p>
+        </p:txBody>
+      </p:sp>
+      <p:sp>
+        <p:nvSpPr>
+          <p:cNvPr id="5" name="Rectángulo: esquinas redondeadas 4">
+            <a:extLst>
+              <a:ext uri="{FF2B5EF4-FFF2-40B4-BE49-F238E27FC236}">
+                <a16:creationId xmlns:a16="http://schemas.microsoft.com/office/drawing/2014/main" id="{90DFB286-1D6B-4BDE-B9F6-5CD5CC3AEAC1}"/>
+              </a:ext>
+            </a:extLst>
+          </p:cNvPr>
+          <p:cNvSpPr/>
+          <p:nvPr/>
+        </p:nvSpPr>
+        <p:spPr>
+          <a:xfrm>
+            <a:off x="2349834" y="2707809"/>
+            <a:ext cx="1750556" cy="833887"/>
+          </a:xfrm>
+          <a:prstGeom prst="roundRect">
+            <a:avLst/>
+          </a:prstGeom>
+        </p:spPr>
+        <p:style>
+          <a:lnRef idx="2">
+            <a:schemeClr val="accent1">
+              <a:shade val="50000"/>
+            </a:schemeClr>
+          </a:lnRef>
+          <a:fillRef idx="1">
+            <a:schemeClr val="accent1"/>
+          </a:fillRef>
+          <a:effectRef idx="0">
+            <a:schemeClr val="accent1"/>
+          </a:effectRef>
+          <a:fontRef idx="minor">
+            <a:schemeClr val="lt1"/>
+          </a:fontRef>
+        </p:style>
+        <p:txBody>
+          <a:bodyPr rtlCol="0" anchor="ctr"/>
+          <a:lstStyle/>
+          <a:p>
+            <a:pPr algn="ctr"/>
+            <a:r>
+              <a:rPr lang="es-ES" dirty="0" err="1"/>
+              <a:t>Assignment</a:t>
+            </a:r>
+            <a:r>
+              <a:rPr lang="es-ES" dirty="0"/>
+              <a:t> 2</a:t>
+            </a:r>
+          </a:p>
+        </p:txBody>
+      </p:sp>
+      <p:sp>
+        <p:nvSpPr>
+          <p:cNvPr id="6" name="Rectángulo: esquinas redondeadas 5">
+            <a:extLst>
+              <a:ext uri="{FF2B5EF4-FFF2-40B4-BE49-F238E27FC236}">
+                <a16:creationId xmlns:a16="http://schemas.microsoft.com/office/drawing/2014/main" id="{9CCFBE7E-1BCE-409C-BD84-ECEE239AB869}"/>
+              </a:ext>
+            </a:extLst>
+          </p:cNvPr>
+          <p:cNvSpPr/>
+          <p:nvPr/>
+        </p:nvSpPr>
+        <p:spPr>
+          <a:xfrm>
+            <a:off x="4100390" y="3549441"/>
+            <a:ext cx="1750556" cy="833887"/>
+          </a:xfrm>
+          <a:prstGeom prst="roundRect">
+            <a:avLst/>
+          </a:prstGeom>
+        </p:spPr>
+        <p:style>
+          <a:lnRef idx="2">
+            <a:schemeClr val="accent1">
+              <a:shade val="50000"/>
+            </a:schemeClr>
+          </a:lnRef>
+          <a:fillRef idx="1">
+            <a:schemeClr val="accent1"/>
+          </a:fillRef>
+          <a:effectRef idx="0">
+            <a:schemeClr val="accent1"/>
+          </a:effectRef>
+          <a:fontRef idx="minor">
+            <a:schemeClr val="lt1"/>
+          </a:fontRef>
+        </p:style>
+        <p:txBody>
+          <a:bodyPr rtlCol="0" anchor="ctr"/>
+          <a:lstStyle/>
+          <a:p>
+            <a:pPr algn="ctr"/>
+            <a:r>
+              <a:rPr lang="es-ES" dirty="0" err="1"/>
+              <a:t>Assignment</a:t>
+            </a:r>
+            <a:r>
+              <a:rPr lang="es-ES" dirty="0"/>
+              <a:t> 3</a:t>
+            </a:r>
+          </a:p>
+        </p:txBody>
+      </p:sp>
+      <p:sp>
+        <p:nvSpPr>
+          <p:cNvPr id="7" name="Rectángulo: esquinas redondeadas 6">
+            <a:extLst>
+              <a:ext uri="{FF2B5EF4-FFF2-40B4-BE49-F238E27FC236}">
+                <a16:creationId xmlns:a16="http://schemas.microsoft.com/office/drawing/2014/main" id="{F3200E12-A597-4622-83F9-AE8D0BCC40A7}"/>
+              </a:ext>
+            </a:extLst>
+          </p:cNvPr>
+          <p:cNvSpPr/>
+          <p:nvPr/>
+        </p:nvSpPr>
+        <p:spPr>
+          <a:xfrm>
+            <a:off x="5850946" y="4378457"/>
+            <a:ext cx="1750556" cy="833887"/>
+          </a:xfrm>
+          <a:prstGeom prst="roundRect">
+            <a:avLst/>
+          </a:prstGeom>
+        </p:spPr>
+        <p:style>
+          <a:lnRef idx="2">
+            <a:schemeClr val="accent1">
+              <a:shade val="50000"/>
+            </a:schemeClr>
+          </a:lnRef>
+          <a:fillRef idx="1">
+            <a:schemeClr val="accent1"/>
+          </a:fillRef>
+          <a:effectRef idx="0">
+            <a:schemeClr val="accent1"/>
+          </a:effectRef>
+          <a:fontRef idx="minor">
+            <a:schemeClr val="lt1"/>
+          </a:fontRef>
+        </p:style>
+        <p:txBody>
+          <a:bodyPr rtlCol="0" anchor="ctr"/>
+          <a:lstStyle/>
+          <a:p>
+            <a:pPr algn="ctr"/>
+            <a:r>
+              <a:rPr lang="es-ES" dirty="0" err="1"/>
+              <a:t>Assignment</a:t>
+            </a:r>
+            <a:r>
+              <a:rPr lang="es-ES" dirty="0"/>
+              <a:t> 4</a:t>
+            </a:r>
+          </a:p>
+        </p:txBody>
+      </p:sp>
+      <p:sp>
+        <p:nvSpPr>
+          <p:cNvPr id="8" name="Rectángulo: esquinas redondeadas 7">
+            <a:extLst>
+              <a:ext uri="{FF2B5EF4-FFF2-40B4-BE49-F238E27FC236}">
+                <a16:creationId xmlns:a16="http://schemas.microsoft.com/office/drawing/2014/main" id="{2C4B8849-7CD2-4C20-886A-AB32122B10AA}"/>
+              </a:ext>
+            </a:extLst>
+          </p:cNvPr>
+          <p:cNvSpPr/>
+          <p:nvPr/>
+        </p:nvSpPr>
+        <p:spPr>
+          <a:xfrm>
+            <a:off x="7643004" y="5209910"/>
+            <a:ext cx="1750556" cy="833887"/>
+          </a:xfrm>
+          <a:prstGeom prst="roundRect">
+            <a:avLst/>
+          </a:prstGeom>
+        </p:spPr>
+        <p:style>
+          <a:lnRef idx="2">
+            <a:schemeClr val="accent1">
+              <a:shade val="50000"/>
+            </a:schemeClr>
+          </a:lnRef>
+          <a:fillRef idx="1">
+            <a:schemeClr val="accent1"/>
+          </a:fillRef>
+          <a:effectRef idx="0">
+            <a:schemeClr val="accent1"/>
+          </a:effectRef>
+          <a:fontRef idx="minor">
+            <a:schemeClr val="lt1"/>
+          </a:fontRef>
+        </p:style>
+        <p:txBody>
+          <a:bodyPr rtlCol="0" anchor="ctr"/>
+          <a:lstStyle/>
+          <a:p>
+            <a:pPr algn="ctr"/>
+            <a:r>
+              <a:rPr lang="es-ES" dirty="0" err="1"/>
+              <a:t>Assignment</a:t>
+            </a:r>
+            <a:r>
+              <a:rPr lang="es-ES" dirty="0"/>
+              <a:t> 5</a:t>
+            </a:r>
+          </a:p>
+        </p:txBody>
+      </p:sp>
+      <p:cxnSp>
+        <p:nvCxnSpPr>
+          <p:cNvPr id="14" name="Conector: angular 13">
+            <a:extLst>
+              <a:ext uri="{FF2B5EF4-FFF2-40B4-BE49-F238E27FC236}">
+                <a16:creationId xmlns:a16="http://schemas.microsoft.com/office/drawing/2014/main" id="{52641A65-97C4-44AC-A8A2-B8E8A373502A}"/>
+              </a:ext>
+            </a:extLst>
+          </p:cNvPr>
+          <p:cNvCxnSpPr>
+            <a:endCxn id="5" idx="0"/>
+          </p:cNvCxnSpPr>
+          <p:nvPr/>
+        </p:nvCxnSpPr>
+        <p:spPr>
+          <a:xfrm>
+            <a:off x="2349834" y="2311879"/>
+            <a:ext cx="875278" cy="395930"/>
+          </a:xfrm>
+          <a:prstGeom prst="bentConnector2">
+            <a:avLst/>
+          </a:prstGeom>
+          <a:ln>
+            <a:tailEnd type="triangle"/>
+          </a:ln>
+        </p:spPr>
+        <p:style>
+          <a:lnRef idx="1">
+            <a:schemeClr val="accent1"/>
+          </a:lnRef>
+          <a:fillRef idx="0">
+            <a:schemeClr val="accent1"/>
+          </a:fillRef>
+          <a:effectRef idx="0">
+            <a:schemeClr val="accent1"/>
+          </a:effectRef>
+          <a:fontRef idx="minor">
+            <a:schemeClr val="tx1"/>
+          </a:fontRef>
+        </p:style>
+      </p:cxnSp>
+      <p:cxnSp>
+        <p:nvCxnSpPr>
+          <p:cNvPr id="16" name="Conector: angular 15">
+            <a:extLst>
+              <a:ext uri="{FF2B5EF4-FFF2-40B4-BE49-F238E27FC236}">
+                <a16:creationId xmlns:a16="http://schemas.microsoft.com/office/drawing/2014/main" id="{C7CCB6BB-ED70-45D1-B038-73C307AF8A96}"/>
+              </a:ext>
+            </a:extLst>
+          </p:cNvPr>
+          <p:cNvCxnSpPr>
+            <a:stCxn id="5" idx="3"/>
+            <a:endCxn id="6" idx="0"/>
+          </p:cNvCxnSpPr>
+          <p:nvPr/>
+        </p:nvCxnSpPr>
+        <p:spPr>
+          <a:xfrm>
+            <a:off x="4100390" y="3124753"/>
+            <a:ext cx="875278" cy="424688"/>
+          </a:xfrm>
+          <a:prstGeom prst="bentConnector2">
+            <a:avLst/>
+          </a:prstGeom>
+          <a:ln>
+            <a:tailEnd type="triangle"/>
+          </a:ln>
+        </p:spPr>
+        <p:style>
+          <a:lnRef idx="1">
+            <a:schemeClr val="accent1"/>
+          </a:lnRef>
+          <a:fillRef idx="0">
+            <a:schemeClr val="accent1"/>
+          </a:fillRef>
+          <a:effectRef idx="0">
+            <a:schemeClr val="accent1"/>
+          </a:effectRef>
+          <a:fontRef idx="minor">
+            <a:schemeClr val="tx1"/>
+          </a:fontRef>
+        </p:style>
+      </p:cxnSp>
+      <p:cxnSp>
+        <p:nvCxnSpPr>
+          <p:cNvPr id="18" name="Conector: angular 17">
+            <a:extLst>
+              <a:ext uri="{FF2B5EF4-FFF2-40B4-BE49-F238E27FC236}">
+                <a16:creationId xmlns:a16="http://schemas.microsoft.com/office/drawing/2014/main" id="{2D0C8BBB-D648-4C99-A51A-606FA5A761FB}"/>
+              </a:ext>
+            </a:extLst>
+          </p:cNvPr>
+          <p:cNvCxnSpPr>
+            <a:stCxn id="6" idx="3"/>
+            <a:endCxn id="7" idx="0"/>
+          </p:cNvCxnSpPr>
+          <p:nvPr/>
+        </p:nvCxnSpPr>
+        <p:spPr>
+          <a:xfrm>
+            <a:off x="5850946" y="3966385"/>
+            <a:ext cx="875278" cy="412072"/>
+          </a:xfrm>
+          <a:prstGeom prst="bentConnector2">
+            <a:avLst/>
+          </a:prstGeom>
+          <a:ln>
+            <a:tailEnd type="triangle"/>
+          </a:ln>
+        </p:spPr>
+        <p:style>
+          <a:lnRef idx="1">
+            <a:schemeClr val="accent1"/>
+          </a:lnRef>
+          <a:fillRef idx="0">
+            <a:schemeClr val="accent1"/>
+          </a:fillRef>
+          <a:effectRef idx="0">
+            <a:schemeClr val="accent1"/>
+          </a:effectRef>
+          <a:fontRef idx="minor">
+            <a:schemeClr val="tx1"/>
+          </a:fontRef>
+        </p:style>
+      </p:cxnSp>
+      <p:cxnSp>
+        <p:nvCxnSpPr>
+          <p:cNvPr id="22" name="Conector: angular 21">
+            <a:extLst>
+              <a:ext uri="{FF2B5EF4-FFF2-40B4-BE49-F238E27FC236}">
+                <a16:creationId xmlns:a16="http://schemas.microsoft.com/office/drawing/2014/main" id="{14E98E37-10B9-4468-ADB3-F92B812A15A4}"/>
+              </a:ext>
+            </a:extLst>
+          </p:cNvPr>
+          <p:cNvCxnSpPr>
+            <a:stCxn id="7" idx="3"/>
+            <a:endCxn id="8" idx="0"/>
+          </p:cNvCxnSpPr>
+          <p:nvPr/>
+        </p:nvCxnSpPr>
+        <p:spPr>
+          <a:xfrm>
+            <a:off x="7601502" y="4795401"/>
+            <a:ext cx="916780" cy="414509"/>
+          </a:xfrm>
+          <a:prstGeom prst="bentConnector2">
+            <a:avLst/>
+          </a:prstGeom>
+          <a:ln>
+            <a:tailEnd type="triangle"/>
+          </a:ln>
+        </p:spPr>
+        <p:style>
+          <a:lnRef idx="1">
+            <a:schemeClr val="accent1"/>
+          </a:lnRef>
+          <a:fillRef idx="0">
+            <a:schemeClr val="accent1"/>
+          </a:fillRef>
+          <a:effectRef idx="0">
+            <a:schemeClr val="accent1"/>
+          </a:effectRef>
+          <a:fontRef idx="minor">
+            <a:schemeClr val="tx1"/>
+          </a:fontRef>
+        </p:style>
+      </p:cxnSp>
+    </p:spTree>
+    <p:extLst>
+      <p:ext uri="{BB962C8B-B14F-4D97-AF65-F5344CB8AC3E}">
+        <p14:creationId xmlns:p14="http://schemas.microsoft.com/office/powerpoint/2010/main" val="3823599429"/>
+      </p:ext>
+    </p:extLst>
+  </p:cSld>
+  <p:clrMapOvr>
+    <a:masterClrMapping/>
+  </p:clrMapOvr>
+</p:sld>
+</file>
+
+<file path=ppt/slides/slide3.xml><?xml version="1.0" encoding="utf-8"?>
+<p:sld xmlns:a="http://schemas.openxmlformats.org/drawingml/2006/main" xmlns:r="http://schemas.openxmlformats.org/officeDocument/2006/relationships" xmlns:p="http://schemas.openxmlformats.org/presentationml/2006/main">
+  <p:cSld>
+    <p:spTree>
+      <p:nvGrpSpPr>
+        <p:cNvPr id="1" name=""/>
+        <p:cNvGrpSpPr/>
+        <p:nvPr/>
+      </p:nvGrpSpPr>
+      <p:grpSpPr>
+        <a:xfrm>
+          <a:off x="0" y="0"/>
+          <a:ext cx="0" cy="0"/>
+          <a:chOff x="0" y="0"/>
+          <a:chExt cx="0" cy="0"/>
+        </a:xfrm>
+      </p:grpSpPr>
+      <p:sp>
+        <p:nvSpPr>
+          <p:cNvPr id="2" name="Título 1">
+            <a:extLst>
+              <a:ext uri="{FF2B5EF4-FFF2-40B4-BE49-F238E27FC236}">
                 <a16:creationId xmlns:a16="http://schemas.microsoft.com/office/drawing/2014/main" id="{85DEF265-D678-46A5-98DB-3B4B3A510FD3}"/>
               </a:ext>
             </a:extLst>
@@ -5990,7 +6506,7 @@
 </p:sld>
 </file>
 
-<file path=ppt/slides/slide3.xml><?xml version="1.0" encoding="utf-8"?>
+<file path=ppt/slides/slide4.xml><?xml version="1.0" encoding="utf-8"?>
 <p:sld xmlns:a="http://schemas.openxmlformats.org/drawingml/2006/main" xmlns:r="http://schemas.openxmlformats.org/officeDocument/2006/relationships" xmlns:p="http://schemas.openxmlformats.org/presentationml/2006/main">
   <p:cSld>
     <p:spTree>
@@ -6089,7 +6605,7 @@
 </p:sld>
 </file>
 
-<file path=ppt/slides/slide4.xml><?xml version="1.0" encoding="utf-8"?>
+<file path=ppt/slides/slide5.xml><?xml version="1.0" encoding="utf-8"?>
 <p:sld xmlns:a="http://schemas.openxmlformats.org/drawingml/2006/main" xmlns:r="http://schemas.openxmlformats.org/officeDocument/2006/relationships" xmlns:p="http://schemas.openxmlformats.org/presentationml/2006/main">
   <p:cSld>
     <p:spTree>
@@ -6183,7 +6699,7 @@
 </p:sld>
 </file>
 
-<file path=ppt/slides/slide5.xml><?xml version="1.0" encoding="utf-8"?>
+<file path=ppt/slides/slide6.xml><?xml version="1.0" encoding="utf-8"?>
 <p:sld xmlns:a="http://schemas.openxmlformats.org/drawingml/2006/main" xmlns:r="http://schemas.openxmlformats.org/officeDocument/2006/relationships" xmlns:p="http://schemas.openxmlformats.org/presentationml/2006/main">
   <p:cSld>
     <p:spTree>
@@ -6319,7 +6835,7 @@
 </p:sld>
 </file>
 
-<file path=ppt/slides/slide6.xml><?xml version="1.0" encoding="utf-8"?>
+<file path=ppt/slides/slide7.xml><?xml version="1.0" encoding="utf-8"?>
 <p:sld xmlns:a="http://schemas.openxmlformats.org/drawingml/2006/main" xmlns:r="http://schemas.openxmlformats.org/officeDocument/2006/relationships" xmlns:p="http://schemas.openxmlformats.org/presentationml/2006/main">
   <p:cSld>
     <p:spTree>
@@ -6459,7 +6975,7 @@
 </p:sld>
 </file>
 
-<file path=ppt/slides/slide7.xml><?xml version="1.0" encoding="utf-8"?>
+<file path=ppt/slides/slide8.xml><?xml version="1.0" encoding="utf-8"?>
 <p:sld xmlns:a="http://schemas.openxmlformats.org/drawingml/2006/main" xmlns:r="http://schemas.openxmlformats.org/officeDocument/2006/relationships" xmlns:p="http://schemas.openxmlformats.org/presentationml/2006/main">
   <p:cSld>
     <p:spTree>

--- a/HandsOn/Group05/Web semántica G05.pptx
+++ b/HandsOn/Group05/Web semántica G05.pptx
@@ -869,7 +869,7 @@
             <a:fld id="{B61BEF0D-F0BB-DE4B-95CE-6DB70DBA9567}" type="datetimeFigureOut">
               <a:rPr lang="en-US" dirty="0"/>
               <a:pPr/>
-              <a:t>12/17/2017</a:t>
+              <a:t>12/18/2017</a:t>
             </a:fld>
             <a:endParaRPr lang="en-US" dirty="0"/>
           </a:p>
@@ -1117,7 +1117,7 @@
             <a:fld id="{B61BEF0D-F0BB-DE4B-95CE-6DB70DBA9567}" type="datetimeFigureOut">
               <a:rPr lang="en-US" dirty="0"/>
               <a:pPr/>
-              <a:t>12/17/2017</a:t>
+              <a:t>12/18/2017</a:t>
             </a:fld>
             <a:endParaRPr lang="en-US" dirty="0"/>
           </a:p>
@@ -1428,7 +1428,7 @@
             <a:fld id="{B61BEF0D-F0BB-DE4B-95CE-6DB70DBA9567}" type="datetimeFigureOut">
               <a:rPr lang="en-US" dirty="0"/>
               <a:pPr/>
-              <a:t>12/17/2017</a:t>
+              <a:t>12/18/2017</a:t>
             </a:fld>
             <a:endParaRPr lang="en-US" dirty="0"/>
           </a:p>
@@ -1758,7 +1758,7 @@
             <a:fld id="{B61BEF0D-F0BB-DE4B-95CE-6DB70DBA9567}" type="datetimeFigureOut">
               <a:rPr lang="en-US" dirty="0"/>
               <a:pPr/>
-              <a:t>12/17/2017</a:t>
+              <a:t>12/18/2017</a:t>
             </a:fld>
             <a:endParaRPr lang="en-US" dirty="0"/>
           </a:p>
@@ -2069,7 +2069,7 @@
             <a:fld id="{B61BEF0D-F0BB-DE4B-95CE-6DB70DBA9567}" type="datetimeFigureOut">
               <a:rPr lang="en-US" dirty="0"/>
               <a:pPr/>
-              <a:t>12/17/2017</a:t>
+              <a:t>12/18/2017</a:t>
             </a:fld>
             <a:endParaRPr lang="en-US" dirty="0"/>
           </a:p>
@@ -2459,7 +2459,7 @@
             <a:fld id="{B61BEF0D-F0BB-DE4B-95CE-6DB70DBA9567}" type="datetimeFigureOut">
               <a:rPr lang="en-US" dirty="0"/>
               <a:pPr/>
-              <a:t>12/17/2017</a:t>
+              <a:t>12/18/2017</a:t>
             </a:fld>
             <a:endParaRPr lang="en-US" dirty="0"/>
           </a:p>
@@ -2625,7 +2625,7 @@
           <a:p>
             <a:fld id="{55C6B4A9-1611-4792-9094-5F34BCA07E0B}" type="datetimeFigureOut">
               <a:rPr lang="en-US" dirty="0"/>
-              <a:t>12/17/2017</a:t>
+              <a:t>12/18/2017</a:t>
             </a:fld>
             <a:endParaRPr lang="en-US" dirty="0"/>
           </a:p>
@@ -2801,7 +2801,7 @@
             <a:fld id="{B61BEF0D-F0BB-DE4B-95CE-6DB70DBA9567}" type="datetimeFigureOut">
               <a:rPr lang="en-US" dirty="0"/>
               <a:pPr/>
-              <a:t>12/17/2017</a:t>
+              <a:t>12/18/2017</a:t>
             </a:fld>
             <a:endParaRPr lang="en-US" dirty="0"/>
           </a:p>
@@ -2967,7 +2967,7 @@
           <a:p>
             <a:fld id="{42A54C80-263E-416B-A8E0-580EDEADCBDC}" type="datetimeFigureOut">
               <a:rPr lang="en-US" dirty="0"/>
-              <a:t>12/17/2017</a:t>
+              <a:t>12/18/2017</a:t>
             </a:fld>
             <a:endParaRPr lang="en-US" dirty="0"/>
           </a:p>
@@ -3210,7 +3210,7 @@
             <a:fld id="{B61BEF0D-F0BB-DE4B-95CE-6DB70DBA9567}" type="datetimeFigureOut">
               <a:rPr lang="en-US" dirty="0"/>
               <a:pPr/>
-              <a:t>12/17/2017</a:t>
+              <a:t>12/18/2017</a:t>
             </a:fld>
             <a:endParaRPr lang="en-US" dirty="0"/>
           </a:p>
@@ -3438,7 +3438,7 @@
           <a:p>
             <a:fld id="{42A54C80-263E-416B-A8E0-580EDEADCBDC}" type="datetimeFigureOut">
               <a:rPr lang="en-US" dirty="0"/>
-              <a:t>12/17/2017</a:t>
+              <a:t>12/18/2017</a:t>
             </a:fld>
             <a:endParaRPr lang="en-US" dirty="0"/>
           </a:p>
@@ -3808,7 +3808,7 @@
             <a:fld id="{B61BEF0D-F0BB-DE4B-95CE-6DB70DBA9567}" type="datetimeFigureOut">
               <a:rPr lang="en-US" dirty="0"/>
               <a:pPr/>
-              <a:t>12/17/2017</a:t>
+              <a:t>12/18/2017</a:t>
             </a:fld>
             <a:endParaRPr lang="en-US" dirty="0"/>
           </a:p>
@@ -3928,7 +3928,7 @@
             <a:fld id="{B61BEF0D-F0BB-DE4B-95CE-6DB70DBA9567}" type="datetimeFigureOut">
               <a:rPr lang="en-US" dirty="0"/>
               <a:pPr/>
-              <a:t>12/17/2017</a:t>
+              <a:t>12/18/2017</a:t>
             </a:fld>
             <a:endParaRPr lang="en-US" dirty="0"/>
           </a:p>
@@ -4020,7 +4020,7 @@
             <a:fld id="{B61BEF0D-F0BB-DE4B-95CE-6DB70DBA9567}" type="datetimeFigureOut">
               <a:rPr lang="en-US" dirty="0"/>
               <a:pPr/>
-              <a:t>12/17/2017</a:t>
+              <a:t>12/18/2017</a:t>
             </a:fld>
             <a:endParaRPr lang="en-US" dirty="0"/>
           </a:p>
@@ -4271,7 +4271,7 @@
           <a:p>
             <a:fld id="{42A54C80-263E-416B-A8E0-580EDEADCBDC}" type="datetimeFigureOut">
               <a:rPr lang="en-US" dirty="0"/>
-              <a:t>12/17/2017</a:t>
+              <a:t>12/18/2017</a:t>
             </a:fld>
             <a:endParaRPr lang="en-US" dirty="0"/>
           </a:p>
@@ -4573,7 +4573,7 @@
             <a:fld id="{B61BEF0D-F0BB-DE4B-95CE-6DB70DBA9567}" type="datetimeFigureOut">
               <a:rPr lang="en-US" dirty="0"/>
               <a:pPr/>
-              <a:t>12/17/2017</a:t>
+              <a:t>12/18/2017</a:t>
             </a:fld>
             <a:endParaRPr lang="en-US" dirty="0"/>
           </a:p>
@@ -5271,7 +5271,7 @@
             <a:fld id="{B61BEF0D-F0BB-DE4B-95CE-6DB70DBA9567}" type="datetimeFigureOut">
               <a:rPr lang="en-US" dirty="0"/>
               <a:pPr/>
-              <a:t>12/17/2017</a:t>
+              <a:t>12/18/2017</a:t>
             </a:fld>
             <a:endParaRPr lang="en-US" dirty="0"/>
           </a:p>
@@ -6557,10 +6557,10 @@
       </p:sp>
       <p:pic>
         <p:nvPicPr>
-          <p:cNvPr id="4" name="Ontology.png">
+          <p:cNvPr id="11" name="Marcador de contenido 10">
             <a:extLst>
               <a:ext uri="{FF2B5EF4-FFF2-40B4-BE49-F238E27FC236}">
-                <a16:creationId xmlns:a16="http://schemas.microsoft.com/office/drawing/2014/main" id="{5C693D56-A45E-4136-AF84-D2C39BB63E87}"/>
+                <a16:creationId xmlns:a16="http://schemas.microsoft.com/office/drawing/2014/main" id="{B437B990-F723-4B34-BCD5-C6936DB9EE61}"/>
               </a:ext>
             </a:extLst>
           </p:cNvPr>
@@ -6572,24 +6572,16 @@
           </p:nvPr>
         </p:nvPicPr>
         <p:blipFill>
-          <a:blip r:embed="rId2">
-            <a:extLst/>
-          </a:blip>
+          <a:blip r:embed="rId2"/>
           <a:stretch>
             <a:fillRect/>
           </a:stretch>
         </p:blipFill>
         <p:spPr>
           <a:xfrm>
-            <a:off x="1296357" y="2276166"/>
-            <a:ext cx="7977645" cy="3091482"/>
+            <a:off x="2031065" y="2479570"/>
+            <a:ext cx="5889908" cy="3243472"/>
           </a:xfrm>
-          <a:prstGeom prst="rect">
-            <a:avLst/>
-          </a:prstGeom>
-          <a:ln w="12700">
-            <a:miter lim="400000"/>
-          </a:ln>
         </p:spPr>
       </p:pic>
     </p:spTree>

--- a/HandsOn/Group05/Web semántica G05.pptx
+++ b/HandsOn/Group05/Web semántica G05.pptx
@@ -5986,7 +5986,7 @@
             </a:r>
             <a:r>
               <a:rPr lang="es-ES" dirty="0"/>
-              <a:t> 1</a:t>
+              <a:t> 1 CSV</a:t>
             </a:r>
           </a:p>
         </p:txBody>
@@ -6039,7 +6039,7 @@
             </a:r>
             <a:r>
               <a:rPr lang="es-ES" dirty="0"/>
-              <a:t> 2</a:t>
+              <a:t> 2 ONTOLOGIA</a:t>
             </a:r>
           </a:p>
         </p:txBody>
@@ -6092,7 +6092,7 @@
             </a:r>
             <a:r>
               <a:rPr lang="es-ES" dirty="0"/>
-              <a:t> 3</a:t>
+              <a:t> 3 LODREFINE - RDF</a:t>
             </a:r>
           </a:p>
         </p:txBody>
@@ -6145,7 +6145,7 @@
             </a:r>
             <a:r>
               <a:rPr lang="es-ES" dirty="0"/>
-              <a:t> 4</a:t>
+              <a:t> 4 ACT. ONTOLOGIA</a:t>
             </a:r>
           </a:p>
         </p:txBody>
@@ -6198,7 +6198,7 @@
             </a:r>
             <a:r>
               <a:rPr lang="es-ES" dirty="0"/>
-              <a:t> 5</a:t>
+              <a:t> 5 LINKED DATA</a:t>
             </a:r>
           </a:p>
         </p:txBody>
@@ -6879,7 +6879,7 @@
             </a:r>
             <a:r>
               <a:rPr lang="es-ES" dirty="0"/>
-              <a:t> RDF</a:t>
+              <a:t> Data</a:t>
             </a:r>
           </a:p>
         </p:txBody>
@@ -6909,48 +6909,22 @@
           <a:p>
             <a:r>
               <a:rPr lang="es-ES" sz="2400" dirty="0"/>
-              <a:t>Añadimos Links de </a:t>
+              <a:t>Añadimos nuestro dominio mediante </a:t>
             </a:r>
             <a:r>
               <a:rPr lang="es-ES" sz="2400" dirty="0" err="1"/>
-              <a:t>Dbpedia</a:t>
+              <a:t>Linked</a:t>
             </a:r>
             <a:r>
               <a:rPr lang="es-ES" sz="2400" dirty="0"/>
-              <a:t> a las clases </a:t>
-            </a:r>
-            <a:r>
-              <a:rPr lang="es-ES" sz="2400" dirty="0" err="1"/>
-              <a:t>locality</a:t>
-            </a:r>
+              <a:t> Data a la Web semántica, para que esté accesible nuestros datos desde la misma.</a:t>
+            </a:r>
+          </a:p>
+          <a:p>
             <a:r>
               <a:rPr lang="es-ES" sz="2400" dirty="0"/>
-              <a:t> y </a:t>
-            </a:r>
-            <a:r>
-              <a:rPr lang="es-ES" sz="2400" dirty="0" err="1"/>
-              <a:t>district</a:t>
-            </a:r>
-            <a:r>
-              <a:rPr lang="es-ES" sz="2400" dirty="0"/>
-              <a:t> para poder enlazarlo a otros </a:t>
-            </a:r>
-            <a:r>
-              <a:rPr lang="es-ES" sz="2400" dirty="0" err="1"/>
-              <a:t>dataset</a:t>
-            </a:r>
-            <a:endParaRPr lang="es-ES" sz="2400" dirty="0"/>
-          </a:p>
-          <a:p>
-            <a:r>
-              <a:rPr lang="es-ES" sz="2400" dirty="0"/>
-              <a:t>Para ello utilizamos </a:t>
-            </a:r>
-            <a:r>
-              <a:rPr lang="es-ES" sz="2400" dirty="0" err="1"/>
-              <a:t>LODrefine</a:t>
-            </a:r>
-            <a:endParaRPr lang="es-ES" sz="2400" dirty="0"/>
+              <a:t>Incorporamos nuestras clases a las clases existentes en la web semántica.</a:t>
+            </a:r>
           </a:p>
         </p:txBody>
       </p:sp>
